--- a/PPT/ch14 Selenium基础/1403 Selenium API-定位元素.pptx
+++ b/PPT/ch14 Selenium基础/1403 Selenium API-定位元素.pptx
@@ -5,7 +5,7 @@
     <p:sldMasterId id="2147483660" r:id="rId1"/>
   </p:sldMasterIdLst>
   <p:notesMasterIdLst>
-    <p:notesMasterId r:id="rId19"/>
+    <p:notesMasterId r:id="rId20"/>
   </p:notesMasterIdLst>
   <p:sldIdLst>
     <p:sldId id="256" r:id="rId2"/>
@@ -25,6 +25,7 @@
     <p:sldId id="267" r:id="rId16"/>
     <p:sldId id="281" r:id="rId17"/>
     <p:sldId id="273" r:id="rId18"/>
+    <p:sldId id="283" r:id="rId19"/>
   </p:sldIdLst>
   <p:sldSz cx="9144000" cy="6858000" type="screen4x3"/>
   <p:notesSz cx="6858000" cy="9144000"/>
@@ -208,7 +209,7 @@
           <a:p>
             <a:fld id="{7A26A1BE-C70F-425E-8EAB-B2965F479EDC}" type="datetimeFigureOut">
               <a:rPr lang="zh-CN" altLang="en-US" smtClean="0"/>
-              <a:t>2018/6/8</a:t>
+              <a:t>2018/6/14</a:t>
             </a:fld>
             <a:endParaRPr lang="zh-CN" altLang="en-US"/>
           </a:p>
@@ -965,7 +966,7 @@
           <a:p>
             <a:fld id="{530820CF-B880-4189-942D-D702A7CBA730}" type="datetimeFigureOut">
               <a:rPr lang="zh-CN" altLang="en-US" smtClean="0"/>
-              <a:t>2018/6/8</a:t>
+              <a:t>2018/6/14</a:t>
             </a:fld>
             <a:endParaRPr lang="zh-CN" altLang="en-US"/>
           </a:p>
@@ -1363,7 +1364,7 @@
           <a:p>
             <a:fld id="{530820CF-B880-4189-942D-D702A7CBA730}" type="datetimeFigureOut">
               <a:rPr lang="zh-CN" altLang="en-US" smtClean="0"/>
-              <a:t>2018/6/8</a:t>
+              <a:t>2018/6/14</a:t>
             </a:fld>
             <a:endParaRPr lang="zh-CN" altLang="en-US"/>
           </a:p>
@@ -1657,7 +1658,7 @@
           <a:p>
             <a:fld id="{530820CF-B880-4189-942D-D702A7CBA730}" type="datetimeFigureOut">
               <a:rPr lang="zh-CN" altLang="en-US" smtClean="0"/>
-              <a:t>2018/6/8</a:t>
+              <a:t>2018/6/14</a:t>
             </a:fld>
             <a:endParaRPr lang="zh-CN" altLang="en-US"/>
           </a:p>
@@ -2615,31 +2616,19 @@
               <a:rPr lang="zh-CN" altLang="en-US" sz="5000" dirty="0">
                 <a:latin typeface="+mn-ea"/>
               </a:rPr>
-              <a:t>表示当前层级下的</a:t>
+              <a:t>表示当前层级下的第一个</a:t>
+            </a:r>
+            <a:r>
+              <a:rPr lang="en-US" altLang="zh-CN" sz="5000" dirty="0">
+                <a:latin typeface="+mn-ea"/>
+              </a:rPr>
+              <a:t>div</a:t>
             </a:r>
             <a:r>
               <a:rPr lang="zh-CN" altLang="en-US" sz="5000" dirty="0">
                 <a:latin typeface="+mn-ea"/>
               </a:rPr>
-              <a:t>第一个</a:t>
-            </a:r>
-            <a:r>
-              <a:rPr lang="en-US" altLang="zh-CN" sz="5000" dirty="0">
-                <a:latin typeface="+mn-ea"/>
-              </a:rPr>
-              <a:t>div</a:t>
-            </a:r>
-            <a:r>
-              <a:rPr lang="zh-CN" altLang="en-US" sz="5000" dirty="0">
-                <a:latin typeface="+mn-ea"/>
-              </a:rPr>
-              <a:t>标签</a:t>
-            </a:r>
-            <a:r>
-              <a:rPr lang="zh-CN" altLang="en-US" sz="5000" dirty="0">
-                <a:latin typeface="+mn-ea"/>
-              </a:rPr>
-              <a:t>。</a:t>
+              <a:t>标签。</a:t>
             </a:r>
             <a:r>
               <a:rPr lang="en-US" altLang="zh-CN" sz="4200" dirty="0" err="1" smtClean="0">
@@ -2831,13 +2820,19 @@
               <a:rPr lang="zh-CN" altLang="en-US" sz="5000" dirty="0">
                 <a:latin typeface="+mn-ea"/>
               </a:rPr>
-              <a:t>从本页面中所有节点查找属性</a:t>
+              <a:t>从本页面中所有节点查找属性是</a:t>
+            </a:r>
+            <a:r>
+              <a:rPr lang="en-US" altLang="zh-CN" sz="5000" dirty="0">
+                <a:latin typeface="+mn-ea"/>
+              </a:rPr>
+              <a:t>value</a:t>
             </a:r>
             <a:r>
               <a:rPr lang="zh-CN" altLang="en-US" sz="5000" dirty="0">
                 <a:latin typeface="+mn-ea"/>
               </a:rPr>
-              <a:t>是</a:t>
+              <a:t>的并且</a:t>
             </a:r>
             <a:r>
               <a:rPr lang="en-US" altLang="zh-CN" sz="5000" dirty="0">
@@ -2849,31 +2844,7 @@
               <a:rPr lang="zh-CN" altLang="en-US" sz="5000" dirty="0">
                 <a:latin typeface="+mn-ea"/>
               </a:rPr>
-              <a:t>的</a:t>
-            </a:r>
-            <a:r>
-              <a:rPr lang="zh-CN" altLang="en-US" sz="5000" dirty="0">
-                <a:latin typeface="+mn-ea"/>
-              </a:rPr>
-              <a:t>并且</a:t>
-            </a:r>
-            <a:r>
-              <a:rPr lang="en-US" altLang="zh-CN" sz="5000" dirty="0">
-                <a:latin typeface="+mn-ea"/>
-              </a:rPr>
-              <a:t>value</a:t>
-            </a:r>
-            <a:r>
-              <a:rPr lang="zh-CN" altLang="en-US" sz="5000" dirty="0">
-                <a:latin typeface="+mn-ea"/>
-              </a:rPr>
-              <a:t>的属性值是查询的</a:t>
-            </a:r>
-            <a:r>
-              <a:rPr lang="zh-CN" altLang="en-US" sz="5000" dirty="0">
-                <a:latin typeface="+mn-ea"/>
-              </a:rPr>
-              <a:t>。或者省略标签</a:t>
+              <a:t>的属性值是查询的。或者省略标签</a:t>
             </a:r>
             <a:endParaRPr lang="en-US" altLang="zh-CN" sz="5000" dirty="0">
               <a:latin typeface="+mn-ea"/>
@@ -3025,13 +2996,7 @@
               <a:rPr lang="zh-CN" altLang="en-US" sz="5000" dirty="0">
                 <a:latin typeface="+mn-ea"/>
               </a:rPr>
-              <a:t>使用索引号进行</a:t>
-            </a:r>
-            <a:r>
-              <a:rPr lang="zh-CN" altLang="en-US" sz="5000" dirty="0">
-                <a:latin typeface="+mn-ea"/>
-              </a:rPr>
-              <a:t>定位</a:t>
+              <a:t>使用索引号进行定位</a:t>
             </a:r>
             <a:endParaRPr lang="en-US" altLang="zh-CN" sz="5000" dirty="0">
               <a:latin typeface="+mn-ea"/>
@@ -3085,9 +3050,6 @@
               </a:rPr>
               <a:t>模糊的属性值</a:t>
             </a:r>
-            <a:endParaRPr lang="zh-CN" altLang="en-US" sz="5000" dirty="0">
-              <a:latin typeface="+mn-ea"/>
-            </a:endParaRPr>
           </a:p>
           <a:p>
             <a:pPr marL="0" indent="0">
@@ -3376,7 +3338,19 @@
               <a:rPr lang="en-US" altLang="zh-CN" sz="2400" dirty="0">
                 <a:ea typeface="华文楷体" panose="02010600040101010101" pitchFamily="2" charset="-122"/>
               </a:rPr>
-              <a:t> a[text()</a:t>
+              <a:t> </a:t>
+            </a:r>
+            <a:r>
+              <a:rPr lang="en-US" altLang="zh-CN" sz="2400" dirty="0" smtClean="0">
+                <a:ea typeface="华文楷体" panose="02010600040101010101" pitchFamily="2" charset="-122"/>
+              </a:rPr>
+              <a:t>a[text</a:t>
+            </a:r>
+            <a:r>
+              <a:rPr lang="en-US" altLang="zh-CN" sz="2400" dirty="0">
+                <a:ea typeface="华文楷体" panose="02010600040101010101" pitchFamily="2" charset="-122"/>
+              </a:rPr>
+              <a:t>()</a:t>
             </a:r>
             <a:r>
               <a:rPr lang="zh-CN" altLang="en-US" sz="2400" dirty="0">
@@ -5107,6 +5081,143 @@
       </p:par>
     </p:tnLst>
   </p:timing>
+</p:sld>
+</file>
+
+<file path=ppt/slides/slide18.xml><?xml version="1.0" encoding="utf-8"?>
+<p:sld xmlns:a="http://schemas.openxmlformats.org/drawingml/2006/main" xmlns:r="http://schemas.openxmlformats.org/officeDocument/2006/relationships" xmlns:p="http://schemas.openxmlformats.org/presentationml/2006/main">
+  <p:cSld>
+    <p:spTree>
+      <p:nvGrpSpPr>
+        <p:cNvPr id="1" name=""/>
+        <p:cNvGrpSpPr/>
+        <p:nvPr/>
+      </p:nvGrpSpPr>
+      <p:grpSpPr>
+        <a:xfrm>
+          <a:off x="0" y="0"/>
+          <a:ext cx="0" cy="0"/>
+          <a:chOff x="0" y="0"/>
+          <a:chExt cx="0" cy="0"/>
+        </a:xfrm>
+      </p:grpSpPr>
+      <p:sp>
+        <p:nvSpPr>
+          <p:cNvPr id="2" name="内容占位符 1"/>
+          <p:cNvSpPr>
+            <a:spLocks noGrp="1"/>
+          </p:cNvSpPr>
+          <p:nvPr>
+            <p:ph idx="1"/>
+          </p:nvPr>
+        </p:nvSpPr>
+        <p:spPr>
+          <a:xfrm>
+            <a:off x="251520" y="1124744"/>
+            <a:ext cx="8496944" cy="4525963"/>
+          </a:xfrm>
+        </p:spPr>
+        <p:txBody>
+          <a:bodyPr/>
+          <a:lstStyle/>
+          <a:p>
+            <a:pPr marL="0" indent="0">
+              <a:buNone/>
+            </a:pPr>
+            <a:r>
+              <a:rPr lang="en-US" altLang="zh-CN" dirty="0" err="1"/>
+              <a:t>org.openqa.selenium.NoSuchElementException</a:t>
+            </a:r>
+            <a:r>
+              <a:rPr lang="en-US" altLang="zh-CN" dirty="0" smtClean="0"/>
+              <a:t>:</a:t>
+            </a:r>
+          </a:p>
+          <a:p>
+            <a:pPr marL="0" indent="0">
+              <a:buNone/>
+            </a:pPr>
+            <a:r>
+              <a:rPr lang="en-US" altLang="zh-CN" dirty="0" smtClean="0"/>
+              <a:t>1.</a:t>
+            </a:r>
+            <a:r>
+              <a:rPr lang="zh-CN" altLang="en-US" dirty="0" smtClean="0"/>
+              <a:t>定位方式错误</a:t>
+            </a:r>
+            <a:endParaRPr lang="en-US" altLang="zh-CN" dirty="0" smtClean="0"/>
+          </a:p>
+          <a:p>
+            <a:pPr marL="0" indent="0">
+              <a:buNone/>
+            </a:pPr>
+            <a:r>
+              <a:rPr lang="en-US" altLang="zh-CN" dirty="0" smtClean="0"/>
+              <a:t>2.</a:t>
+            </a:r>
+            <a:r>
+              <a:rPr lang="zh-CN" altLang="en-US" dirty="0" smtClean="0"/>
+              <a:t>查看元素是不是在 </a:t>
+            </a:r>
+            <a:r>
+              <a:rPr lang="en-US" altLang="zh-CN" dirty="0" err="1"/>
+              <a:t>iframe</a:t>
+            </a:r>
+            <a:r>
+              <a:rPr lang="en-US" altLang="zh-CN" dirty="0"/>
+              <a:t> </a:t>
+            </a:r>
+            <a:endParaRPr lang="en-US" altLang="zh-CN" dirty="0" smtClean="0"/>
+          </a:p>
+          <a:p>
+            <a:pPr marL="0" indent="0">
+              <a:buNone/>
+            </a:pPr>
+            <a:r>
+              <a:rPr lang="en-US" altLang="zh-CN" dirty="0" smtClean="0"/>
+              <a:t>3.</a:t>
+            </a:r>
+            <a:r>
+              <a:rPr lang="zh-CN" altLang="en-US" dirty="0"/>
+              <a:t>问</a:t>
+            </a:r>
+            <a:r>
+              <a:rPr lang="zh-CN" altLang="en-US" dirty="0" smtClean="0"/>
+              <a:t>开发，换个浏览器试一试</a:t>
+            </a:r>
+            <a:endParaRPr lang="zh-CN" altLang="en-US" dirty="0"/>
+          </a:p>
+        </p:txBody>
+      </p:sp>
+      <p:sp>
+        <p:nvSpPr>
+          <p:cNvPr id="3" name="标题 2"/>
+          <p:cNvSpPr>
+            <a:spLocks noGrp="1"/>
+          </p:cNvSpPr>
+          <p:nvPr>
+            <p:ph type="title"/>
+          </p:nvPr>
+        </p:nvSpPr>
+        <p:spPr/>
+        <p:txBody>
+          <a:bodyPr/>
+          <a:lstStyle/>
+          <a:p>
+            <a:endParaRPr lang="zh-CN" altLang="en-US"/>
+          </a:p>
+        </p:txBody>
+      </p:sp>
+    </p:spTree>
+    <p:extLst>
+      <p:ext uri="{BB962C8B-B14F-4D97-AF65-F5344CB8AC3E}">
+        <p14:creationId xmlns:p14="http://schemas.microsoft.com/office/powerpoint/2010/main" val="4146341423"/>
+      </p:ext>
+    </p:extLst>
+  </p:cSld>
+  <p:clrMapOvr>
+    <a:masterClrMapping/>
+  </p:clrMapOvr>
 </p:sld>
 </file>
 
@@ -7912,13 +8023,7 @@
               <a:rPr lang="zh-CN" altLang="en-US" sz="2300" dirty="0">
                 <a:latin typeface="+mn-ea"/>
               </a:rPr>
-              <a:t>链接的</a:t>
-            </a:r>
-            <a:r>
-              <a:rPr lang="zh-CN" altLang="en-US" sz="2300" dirty="0">
-                <a:latin typeface="+mn-ea"/>
-              </a:rPr>
-              <a:t>全部文字内容</a:t>
+              <a:t>链接的全部文字内容</a:t>
             </a:r>
             <a:r>
               <a:rPr lang="en-US" altLang="zh-CN" sz="2300" dirty="0">
@@ -7926,9 +8031,6 @@
               </a:rPr>
               <a:t>")</a:t>
             </a:r>
-            <a:endParaRPr lang="en-US" altLang="zh-CN" sz="2300" dirty="0">
-              <a:latin typeface="+mn-ea"/>
-            </a:endParaRPr>
           </a:p>
           <a:p>
             <a:pPr marL="0" indent="0">
@@ -7939,11 +8041,7 @@
             </a:pPr>
             <a:r>
               <a:rPr lang="en-US" altLang="zh-CN" sz="2000" dirty="0"/>
-              <a:t>&lt;</a:t>
-            </a:r>
-            <a:r>
-              <a:rPr lang="en-US" altLang="zh-CN" sz="2000" dirty="0"/>
-              <a:t>a class="</a:t>
+              <a:t>&lt;a class="</a:t>
             </a:r>
             <a:r>
               <a:rPr lang="en-US" altLang="zh-CN" sz="2000" dirty="0" err="1"/>
@@ -8017,7 +8115,6 @@
               <a:rPr lang="en-US" altLang="zh-CN" sz="2000" dirty="0"/>
               <a:t>"));</a:t>
             </a:r>
-            <a:endParaRPr lang="en-US" altLang="zh-CN" sz="2000" dirty="0"/>
           </a:p>
           <a:p>
             <a:pPr marL="0" indent="0">
